--- a/论文/开题/常文龙_开题报告.pptx
+++ b/论文/开题/常文龙_开题报告.pptx
@@ -4,6 +4,9 @@
   <p:sldMasterIdLst>
     <p:sldMasterId id="2147483649" r:id="rId1"/>
   </p:sldMasterIdLst>
+  <p:notesMasterIdLst>
+    <p:notesMasterId r:id="rId12"/>
+  </p:notesMasterIdLst>
   <p:sldIdLst>
     <p:sldId id="256" r:id="rId2"/>
     <p:sldId id="261" r:id="rId3"/>
@@ -144,6 +147,978 @@
     </a:lvl9pPr>
   </p:defaultTextStyle>
 </p:presentation>
+</file>
+
+<file path=ppt/notesMasters/notesMaster1.xml><?xml version="1.0" encoding="utf-8"?>
+<p:notesMaster xmlns:a="http://schemas.openxmlformats.org/drawingml/2006/main" xmlns:r="http://schemas.openxmlformats.org/officeDocument/2006/relationships" xmlns:p="http://schemas.openxmlformats.org/presentationml/2006/main">
+  <p:cSld>
+    <p:bg>
+      <p:bgRef idx="1001">
+        <a:schemeClr val="bg1"/>
+      </p:bgRef>
+    </p:bg>
+    <p:spTree>
+      <p:nvGrpSpPr>
+        <p:cNvPr id="1" name=""/>
+        <p:cNvGrpSpPr/>
+        <p:nvPr/>
+      </p:nvGrpSpPr>
+      <p:grpSpPr>
+        <a:xfrm>
+          <a:off x="0" y="0"/>
+          <a:ext cx="0" cy="0"/>
+          <a:chOff x="0" y="0"/>
+          <a:chExt cx="0" cy="0"/>
+        </a:xfrm>
+      </p:grpSpPr>
+      <p:sp>
+        <p:nvSpPr>
+          <p:cNvPr id="2" name="页眉占位符 1"/>
+          <p:cNvSpPr>
+            <a:spLocks noGrp="1"/>
+          </p:cNvSpPr>
+          <p:nvPr>
+            <p:ph type="hdr" sz="quarter"/>
+          </p:nvPr>
+        </p:nvSpPr>
+        <p:spPr>
+          <a:xfrm>
+            <a:off x="0" y="0"/>
+            <a:ext cx="2971800" cy="457200"/>
+          </a:xfrm>
+          <a:prstGeom prst="rect">
+            <a:avLst/>
+          </a:prstGeom>
+        </p:spPr>
+        <p:txBody>
+          <a:bodyPr vert="horz" lIns="91440" tIns="45720" rIns="91440" bIns="45720" rtlCol="0"/>
+          <a:lstStyle>
+            <a:lvl1pPr algn="l">
+              <a:defRPr sz="1200"/>
+            </a:lvl1pPr>
+          </a:lstStyle>
+          <a:p>
+            <a:endParaRPr lang="zh-CN" altLang="en-US"/>
+          </a:p>
+        </p:txBody>
+      </p:sp>
+      <p:sp>
+        <p:nvSpPr>
+          <p:cNvPr id="3" name="日期占位符 2"/>
+          <p:cNvSpPr>
+            <a:spLocks noGrp="1"/>
+          </p:cNvSpPr>
+          <p:nvPr>
+            <p:ph type="dt" idx="1"/>
+          </p:nvPr>
+        </p:nvSpPr>
+        <p:spPr>
+          <a:xfrm>
+            <a:off x="3884613" y="0"/>
+            <a:ext cx="2971800" cy="457200"/>
+          </a:xfrm>
+          <a:prstGeom prst="rect">
+            <a:avLst/>
+          </a:prstGeom>
+        </p:spPr>
+        <p:txBody>
+          <a:bodyPr vert="horz" lIns="91440" tIns="45720" rIns="91440" bIns="45720" rtlCol="0"/>
+          <a:lstStyle>
+            <a:lvl1pPr algn="r">
+              <a:defRPr sz="1200"/>
+            </a:lvl1pPr>
+          </a:lstStyle>
+          <a:p>
+            <a:fld id="{9B6E7943-EDE0-4319-8DFE-97F243550531}" type="datetimeFigureOut">
+              <a:rPr lang="zh-CN" altLang="en-US" smtClean="0"/>
+              <a:pPr/>
+              <a:t>2016/9/24</a:t>
+            </a:fld>
+            <a:endParaRPr lang="zh-CN" altLang="en-US"/>
+          </a:p>
+        </p:txBody>
+      </p:sp>
+      <p:sp>
+        <p:nvSpPr>
+          <p:cNvPr id="4" name="幻灯片图像占位符 3"/>
+          <p:cNvSpPr>
+            <a:spLocks noGrp="1" noRot="1" noChangeAspect="1"/>
+          </p:cNvSpPr>
+          <p:nvPr>
+            <p:ph type="sldImg" idx="2"/>
+          </p:nvPr>
+        </p:nvSpPr>
+        <p:spPr>
+          <a:xfrm>
+            <a:off x="1143000" y="685800"/>
+            <a:ext cx="4572000" cy="3429000"/>
+          </a:xfrm>
+          <a:prstGeom prst="rect">
+            <a:avLst/>
+          </a:prstGeom>
+          <a:noFill/>
+          <a:ln w="12700">
+            <a:solidFill>
+              <a:prstClr val="black"/>
+            </a:solidFill>
+          </a:ln>
+        </p:spPr>
+        <p:txBody>
+          <a:bodyPr vert="horz" lIns="91440" tIns="45720" rIns="91440" bIns="45720" rtlCol="0" anchor="ctr"/>
+          <a:lstStyle/>
+          <a:p>
+            <a:endParaRPr lang="zh-CN" altLang="en-US"/>
+          </a:p>
+        </p:txBody>
+      </p:sp>
+      <p:sp>
+        <p:nvSpPr>
+          <p:cNvPr id="5" name="备注占位符 4"/>
+          <p:cNvSpPr>
+            <a:spLocks noGrp="1"/>
+          </p:cNvSpPr>
+          <p:nvPr>
+            <p:ph type="body" sz="quarter" idx="3"/>
+          </p:nvPr>
+        </p:nvSpPr>
+        <p:spPr>
+          <a:xfrm>
+            <a:off x="685800" y="4343400"/>
+            <a:ext cx="5486400" cy="4114800"/>
+          </a:xfrm>
+          <a:prstGeom prst="rect">
+            <a:avLst/>
+          </a:prstGeom>
+        </p:spPr>
+        <p:txBody>
+          <a:bodyPr vert="horz" lIns="91440" tIns="45720" rIns="91440" bIns="45720" rtlCol="0">
+            <a:normAutofit/>
+          </a:bodyPr>
+          <a:lstStyle/>
+          <a:p>
+            <a:pPr lvl="0"/>
+            <a:r>
+              <a:rPr lang="zh-CN" altLang="en-US" smtClean="0"/>
+              <a:t>单击此处编辑母版文本样式</a:t>
+            </a:r>
+          </a:p>
+          <a:p>
+            <a:pPr lvl="1"/>
+            <a:r>
+              <a:rPr lang="zh-CN" altLang="en-US" smtClean="0"/>
+              <a:t>第二级</a:t>
+            </a:r>
+          </a:p>
+          <a:p>
+            <a:pPr lvl="2"/>
+            <a:r>
+              <a:rPr lang="zh-CN" altLang="en-US" smtClean="0"/>
+              <a:t>第三级</a:t>
+            </a:r>
+          </a:p>
+          <a:p>
+            <a:pPr lvl="3"/>
+            <a:r>
+              <a:rPr lang="zh-CN" altLang="en-US" smtClean="0"/>
+              <a:t>第四级</a:t>
+            </a:r>
+          </a:p>
+          <a:p>
+            <a:pPr lvl="4"/>
+            <a:r>
+              <a:rPr lang="zh-CN" altLang="en-US" smtClean="0"/>
+              <a:t>第五级</a:t>
+            </a:r>
+            <a:endParaRPr lang="zh-CN" altLang="en-US"/>
+          </a:p>
+        </p:txBody>
+      </p:sp>
+      <p:sp>
+        <p:nvSpPr>
+          <p:cNvPr id="6" name="页脚占位符 5"/>
+          <p:cNvSpPr>
+            <a:spLocks noGrp="1"/>
+          </p:cNvSpPr>
+          <p:nvPr>
+            <p:ph type="ftr" sz="quarter" idx="4"/>
+          </p:nvPr>
+        </p:nvSpPr>
+        <p:spPr>
+          <a:xfrm>
+            <a:off x="0" y="8685213"/>
+            <a:ext cx="2971800" cy="457200"/>
+          </a:xfrm>
+          <a:prstGeom prst="rect">
+            <a:avLst/>
+          </a:prstGeom>
+        </p:spPr>
+        <p:txBody>
+          <a:bodyPr vert="horz" lIns="91440" tIns="45720" rIns="91440" bIns="45720" rtlCol="0" anchor="b"/>
+          <a:lstStyle>
+            <a:lvl1pPr algn="l">
+              <a:defRPr sz="1200"/>
+            </a:lvl1pPr>
+          </a:lstStyle>
+          <a:p>
+            <a:endParaRPr lang="zh-CN" altLang="en-US"/>
+          </a:p>
+        </p:txBody>
+      </p:sp>
+      <p:sp>
+        <p:nvSpPr>
+          <p:cNvPr id="7" name="灯片编号占位符 6"/>
+          <p:cNvSpPr>
+            <a:spLocks noGrp="1"/>
+          </p:cNvSpPr>
+          <p:nvPr>
+            <p:ph type="sldNum" sz="quarter" idx="5"/>
+          </p:nvPr>
+        </p:nvSpPr>
+        <p:spPr>
+          <a:xfrm>
+            <a:off x="3884613" y="8685213"/>
+            <a:ext cx="2971800" cy="457200"/>
+          </a:xfrm>
+          <a:prstGeom prst="rect">
+            <a:avLst/>
+          </a:prstGeom>
+        </p:spPr>
+        <p:txBody>
+          <a:bodyPr vert="horz" lIns="91440" tIns="45720" rIns="91440" bIns="45720" rtlCol="0" anchor="b"/>
+          <a:lstStyle>
+            <a:lvl1pPr algn="r">
+              <a:defRPr sz="1200"/>
+            </a:lvl1pPr>
+          </a:lstStyle>
+          <a:p>
+            <a:fld id="{35660B6B-48FB-4D4D-983D-CC81D99C78AA}" type="slidenum">
+              <a:rPr lang="zh-CN" altLang="en-US" smtClean="0"/>
+              <a:pPr/>
+              <a:t>‹#›</a:t>
+            </a:fld>
+            <a:endParaRPr lang="zh-CN" altLang="en-US"/>
+          </a:p>
+        </p:txBody>
+      </p:sp>
+    </p:spTree>
+  </p:cSld>
+  <p:clrMap bg1="lt1" tx1="dk1" bg2="lt2" tx2="dk2" accent1="accent1" accent2="accent2" accent3="accent3" accent4="accent4" accent5="accent5" accent6="accent6" hlink="hlink" folHlink="folHlink"/>
+  <p:notesStyle>
+    <a:lvl1pPr marL="0" algn="l" defTabSz="914400" rtl="0" eaLnBrk="1" latinLnBrk="0" hangingPunct="1">
+      <a:defRPr sz="1200" kern="1200">
+        <a:solidFill>
+          <a:schemeClr val="tx1"/>
+        </a:solidFill>
+        <a:latin typeface="+mn-lt"/>
+        <a:ea typeface="+mn-ea"/>
+        <a:cs typeface="+mn-cs"/>
+      </a:defRPr>
+    </a:lvl1pPr>
+    <a:lvl2pPr marL="457200" algn="l" defTabSz="914400" rtl="0" eaLnBrk="1" latinLnBrk="0" hangingPunct="1">
+      <a:defRPr sz="1200" kern="1200">
+        <a:solidFill>
+          <a:schemeClr val="tx1"/>
+        </a:solidFill>
+        <a:latin typeface="+mn-lt"/>
+        <a:ea typeface="+mn-ea"/>
+        <a:cs typeface="+mn-cs"/>
+      </a:defRPr>
+    </a:lvl2pPr>
+    <a:lvl3pPr marL="914400" algn="l" defTabSz="914400" rtl="0" eaLnBrk="1" latinLnBrk="0" hangingPunct="1">
+      <a:defRPr sz="1200" kern="1200">
+        <a:solidFill>
+          <a:schemeClr val="tx1"/>
+        </a:solidFill>
+        <a:latin typeface="+mn-lt"/>
+        <a:ea typeface="+mn-ea"/>
+        <a:cs typeface="+mn-cs"/>
+      </a:defRPr>
+    </a:lvl3pPr>
+    <a:lvl4pPr marL="1371600" algn="l" defTabSz="914400" rtl="0" eaLnBrk="1" latinLnBrk="0" hangingPunct="1">
+      <a:defRPr sz="1200" kern="1200">
+        <a:solidFill>
+          <a:schemeClr val="tx1"/>
+        </a:solidFill>
+        <a:latin typeface="+mn-lt"/>
+        <a:ea typeface="+mn-ea"/>
+        <a:cs typeface="+mn-cs"/>
+      </a:defRPr>
+    </a:lvl4pPr>
+    <a:lvl5pPr marL="1828800" algn="l" defTabSz="914400" rtl="0" eaLnBrk="1" latinLnBrk="0" hangingPunct="1">
+      <a:defRPr sz="1200" kern="1200">
+        <a:solidFill>
+          <a:schemeClr val="tx1"/>
+        </a:solidFill>
+        <a:latin typeface="+mn-lt"/>
+        <a:ea typeface="+mn-ea"/>
+        <a:cs typeface="+mn-cs"/>
+      </a:defRPr>
+    </a:lvl5pPr>
+    <a:lvl6pPr marL="2286000" algn="l" defTabSz="914400" rtl="0" eaLnBrk="1" latinLnBrk="0" hangingPunct="1">
+      <a:defRPr sz="1200" kern="1200">
+        <a:solidFill>
+          <a:schemeClr val="tx1"/>
+        </a:solidFill>
+        <a:latin typeface="+mn-lt"/>
+        <a:ea typeface="+mn-ea"/>
+        <a:cs typeface="+mn-cs"/>
+      </a:defRPr>
+    </a:lvl6pPr>
+    <a:lvl7pPr marL="2743200" algn="l" defTabSz="914400" rtl="0" eaLnBrk="1" latinLnBrk="0" hangingPunct="1">
+      <a:defRPr sz="1200" kern="1200">
+        <a:solidFill>
+          <a:schemeClr val="tx1"/>
+        </a:solidFill>
+        <a:latin typeface="+mn-lt"/>
+        <a:ea typeface="+mn-ea"/>
+        <a:cs typeface="+mn-cs"/>
+      </a:defRPr>
+    </a:lvl7pPr>
+    <a:lvl8pPr marL="3200400" algn="l" defTabSz="914400" rtl="0" eaLnBrk="1" latinLnBrk="0" hangingPunct="1">
+      <a:defRPr sz="1200" kern="1200">
+        <a:solidFill>
+          <a:schemeClr val="tx1"/>
+        </a:solidFill>
+        <a:latin typeface="+mn-lt"/>
+        <a:ea typeface="+mn-ea"/>
+        <a:cs typeface="+mn-cs"/>
+      </a:defRPr>
+    </a:lvl8pPr>
+    <a:lvl9pPr marL="3657600" algn="l" defTabSz="914400" rtl="0" eaLnBrk="1" latinLnBrk="0" hangingPunct="1">
+      <a:defRPr sz="1200" kern="1200">
+        <a:solidFill>
+          <a:schemeClr val="tx1"/>
+        </a:solidFill>
+        <a:latin typeface="+mn-lt"/>
+        <a:ea typeface="+mn-ea"/>
+        <a:cs typeface="+mn-cs"/>
+      </a:defRPr>
+    </a:lvl9pPr>
+  </p:notesStyle>
+</p:notesMaster>
+</file>
+
+<file path=ppt/notesSlides/notesSlide1.xml><?xml version="1.0" encoding="utf-8"?>
+<p:notes xmlns:a="http://schemas.openxmlformats.org/drawingml/2006/main" xmlns:r="http://schemas.openxmlformats.org/officeDocument/2006/relationships" xmlns:p="http://schemas.openxmlformats.org/presentationml/2006/main">
+  <p:cSld>
+    <p:spTree>
+      <p:nvGrpSpPr>
+        <p:cNvPr id="1" name=""/>
+        <p:cNvGrpSpPr/>
+        <p:nvPr/>
+      </p:nvGrpSpPr>
+      <p:grpSpPr>
+        <a:xfrm>
+          <a:off x="0" y="0"/>
+          <a:ext cx="0" cy="0"/>
+          <a:chOff x="0" y="0"/>
+          <a:chExt cx="0" cy="0"/>
+        </a:xfrm>
+      </p:grpSpPr>
+      <p:sp>
+        <p:nvSpPr>
+          <p:cNvPr id="2" name="幻灯片图像占位符 1"/>
+          <p:cNvSpPr>
+            <a:spLocks noGrp="1" noRot="1" noChangeAspect="1"/>
+          </p:cNvSpPr>
+          <p:nvPr>
+            <p:ph type="sldImg"/>
+          </p:nvPr>
+        </p:nvSpPr>
+        <p:spPr/>
+      </p:sp>
+      <p:sp>
+        <p:nvSpPr>
+          <p:cNvPr id="3" name="备注占位符 2"/>
+          <p:cNvSpPr>
+            <a:spLocks noGrp="1"/>
+          </p:cNvSpPr>
+          <p:nvPr>
+            <p:ph type="body" idx="1"/>
+          </p:nvPr>
+        </p:nvSpPr>
+        <p:spPr/>
+        <p:txBody>
+          <a:bodyPr>
+            <a:normAutofit/>
+          </a:bodyPr>
+          <a:lstStyle/>
+          <a:p>
+            <a:endParaRPr lang="zh-CN" altLang="en-US" dirty="0"/>
+          </a:p>
+        </p:txBody>
+      </p:sp>
+      <p:sp>
+        <p:nvSpPr>
+          <p:cNvPr id="4" name="灯片编号占位符 3"/>
+          <p:cNvSpPr>
+            <a:spLocks noGrp="1"/>
+          </p:cNvSpPr>
+          <p:nvPr>
+            <p:ph type="sldNum" sz="quarter" idx="10"/>
+          </p:nvPr>
+        </p:nvSpPr>
+        <p:spPr/>
+        <p:txBody>
+          <a:bodyPr/>
+          <a:lstStyle/>
+          <a:p>
+            <a:fld id="{35660B6B-48FB-4D4D-983D-CC81D99C78AA}" type="slidenum">
+              <a:rPr lang="zh-CN" altLang="en-US" smtClean="0"/>
+              <a:pPr/>
+              <a:t>2</a:t>
+            </a:fld>
+            <a:endParaRPr lang="zh-CN" altLang="en-US"/>
+          </a:p>
+        </p:txBody>
+      </p:sp>
+    </p:spTree>
+  </p:cSld>
+  <p:clrMapOvr>
+    <a:masterClrMapping/>
+  </p:clrMapOvr>
+</p:notes>
+</file>
+
+<file path=ppt/notesSlides/notesSlide2.xml><?xml version="1.0" encoding="utf-8"?>
+<p:notes xmlns:a="http://schemas.openxmlformats.org/drawingml/2006/main" xmlns:r="http://schemas.openxmlformats.org/officeDocument/2006/relationships" xmlns:p="http://schemas.openxmlformats.org/presentationml/2006/main">
+  <p:cSld>
+    <p:spTree>
+      <p:nvGrpSpPr>
+        <p:cNvPr id="1" name=""/>
+        <p:cNvGrpSpPr/>
+        <p:nvPr/>
+      </p:nvGrpSpPr>
+      <p:grpSpPr>
+        <a:xfrm>
+          <a:off x="0" y="0"/>
+          <a:ext cx="0" cy="0"/>
+          <a:chOff x="0" y="0"/>
+          <a:chExt cx="0" cy="0"/>
+        </a:xfrm>
+      </p:grpSpPr>
+      <p:sp>
+        <p:nvSpPr>
+          <p:cNvPr id="2" name="幻灯片图像占位符 1"/>
+          <p:cNvSpPr>
+            <a:spLocks noGrp="1" noRot="1" noChangeAspect="1"/>
+          </p:cNvSpPr>
+          <p:nvPr>
+            <p:ph type="sldImg"/>
+          </p:nvPr>
+        </p:nvSpPr>
+        <p:spPr/>
+      </p:sp>
+      <p:sp>
+        <p:nvSpPr>
+          <p:cNvPr id="3" name="备注占位符 2"/>
+          <p:cNvSpPr>
+            <a:spLocks noGrp="1"/>
+          </p:cNvSpPr>
+          <p:nvPr>
+            <p:ph type="body" idx="1"/>
+          </p:nvPr>
+        </p:nvSpPr>
+        <p:spPr/>
+        <p:txBody>
+          <a:bodyPr>
+            <a:normAutofit/>
+          </a:bodyPr>
+          <a:lstStyle/>
+          <a:p>
+            <a:pPr marL="0" marR="0" indent="0" algn="l" defTabSz="914400" rtl="0" eaLnBrk="1" fontAlgn="auto" latinLnBrk="0" hangingPunct="1">
+              <a:lnSpc>
+                <a:spcPct val="100000"/>
+              </a:lnSpc>
+              <a:spcBef>
+                <a:spcPts val="0"/>
+              </a:spcBef>
+              <a:spcAft>
+                <a:spcPts val="0"/>
+              </a:spcAft>
+              <a:buClrTx/>
+              <a:buSzTx/>
+              <a:buFontTx/>
+              <a:buNone/>
+              <a:tabLst/>
+              <a:defRPr/>
+            </a:pPr>
+            <a:r>
+              <a:rPr lang="zh-CN" altLang="en-US" sz="1200" kern="1200" dirty="0" smtClean="0">
+                <a:solidFill>
+                  <a:schemeClr val="tx1"/>
+                </a:solidFill>
+                <a:latin typeface="+mn-lt"/>
+                <a:ea typeface="+mn-ea"/>
+                <a:cs typeface="+mn-cs"/>
+              </a:rPr>
+              <a:t>应用性能监控</a:t>
+            </a:r>
+            <a:r>
+              <a:rPr lang="en-US" sz="1200" kern="1200" dirty="0" smtClean="0">
+                <a:solidFill>
+                  <a:schemeClr val="tx1"/>
+                </a:solidFill>
+                <a:latin typeface="+mn-lt"/>
+                <a:ea typeface="+mn-ea"/>
+                <a:cs typeface="+mn-cs"/>
+              </a:rPr>
+              <a:t>APM(application performance monitoring)</a:t>
+            </a:r>
+            <a:r>
+              <a:rPr lang="zh-CN" altLang="en-US" sz="1200" kern="1200" dirty="0" smtClean="0">
+                <a:solidFill>
+                  <a:schemeClr val="tx1"/>
+                </a:solidFill>
+                <a:latin typeface="+mn-lt"/>
+                <a:ea typeface="+mn-ea"/>
+                <a:cs typeface="+mn-cs"/>
+              </a:rPr>
+              <a:t>是近年来企业级应用中比较受到关注的一个领域。互联网时代快速发展，各种应用层出不穷，用户对应用使用体验、应用的可用性、应用响应速度等应用性能指标的要求也随之提高。为了尽量减少客户流失率，增强用户体验，企业在应用性能监控上进行了大规模的投资。</a:t>
+            </a:r>
+            <a:r>
+              <a:rPr lang="en-US" sz="1200" kern="1200" dirty="0" smtClean="0">
+                <a:solidFill>
+                  <a:schemeClr val="tx1"/>
+                </a:solidFill>
+                <a:latin typeface="+mn-lt"/>
+                <a:ea typeface="+mn-ea"/>
+                <a:cs typeface="+mn-cs"/>
+              </a:rPr>
+              <a:t>IDC</a:t>
+            </a:r>
+            <a:r>
+              <a:rPr lang="zh-CN" altLang="en-US" sz="1200" kern="1200" dirty="0" smtClean="0">
+                <a:solidFill>
+                  <a:schemeClr val="tx1"/>
+                </a:solidFill>
+                <a:latin typeface="+mn-lt"/>
+                <a:ea typeface="+mn-ea"/>
+                <a:cs typeface="+mn-cs"/>
+              </a:rPr>
+              <a:t>的统计数据显示，</a:t>
+            </a:r>
+            <a:r>
+              <a:rPr lang="en-US" sz="1200" kern="1200" dirty="0" smtClean="0">
+                <a:solidFill>
+                  <a:schemeClr val="tx1"/>
+                </a:solidFill>
+                <a:latin typeface="+mn-lt"/>
+                <a:ea typeface="+mn-ea"/>
+                <a:cs typeface="+mn-cs"/>
+              </a:rPr>
+              <a:t>40%</a:t>
+            </a:r>
+            <a:r>
+              <a:rPr lang="zh-CN" altLang="en-US" sz="1200" kern="1200" smtClean="0">
+                <a:solidFill>
+                  <a:schemeClr val="tx1"/>
+                </a:solidFill>
+                <a:latin typeface="+mn-lt"/>
+                <a:ea typeface="+mn-ea"/>
+                <a:cs typeface="+mn-cs"/>
+              </a:rPr>
+              <a:t>的应用性能问题可归因于应用本身或应用相关的原因，所以对应用进行优化是提高应用稳定性和应用服务持续运行能力的有效途径。</a:t>
+            </a:r>
+            <a:endParaRPr lang="en-US" altLang="zh-CN" smtClean="0"/>
+          </a:p>
+          <a:p>
+            <a:endParaRPr lang="en-US" altLang="zh-CN" dirty="0" smtClean="0"/>
+          </a:p>
+          <a:p>
+            <a:r>
+              <a:rPr lang="en-US" altLang="zh-CN" dirty="0" smtClean="0"/>
+              <a:t>Apm</a:t>
+            </a:r>
+            <a:r>
+              <a:rPr lang="en-US" altLang="zh-CN" dirty="0" smtClean="0"/>
+              <a:t>:</a:t>
+            </a:r>
+            <a:r>
+              <a:rPr lang="zh-CN" altLang="en-US" dirty="0" smtClean="0"/>
+              <a:t>采集、存储、分析、报警、可视化</a:t>
+            </a:r>
+            <a:endParaRPr lang="en-US" altLang="zh-CN" dirty="0" smtClean="0"/>
+          </a:p>
+          <a:p>
+            <a:endParaRPr lang="en-US" altLang="zh-CN" dirty="0" smtClean="0"/>
+          </a:p>
+          <a:p>
+            <a:r>
+              <a:rPr lang="zh-CN" altLang="en-US" dirty="0" smtClean="0"/>
+              <a:t>分析阶段：可视化图标分析（分析能力不足）、离线分析技术（实时性不够）</a:t>
+            </a:r>
+            <a:endParaRPr lang="en-US" altLang="zh-CN" dirty="0" smtClean="0"/>
+          </a:p>
+          <a:p>
+            <a:endParaRPr lang="en-US" altLang="zh-CN" dirty="0" smtClean="0"/>
+          </a:p>
+          <a:p>
+            <a:r>
+              <a:rPr lang="zh-CN" altLang="en-US" dirty="0" smtClean="0"/>
+              <a:t>例子：</a:t>
+            </a:r>
+            <a:r>
+              <a:rPr lang="en-US" altLang="zh-CN" dirty="0" smtClean="0"/>
+              <a:t>cpu</a:t>
+            </a:r>
+            <a:r>
+              <a:rPr lang="zh-CN" altLang="en-US" dirty="0" smtClean="0"/>
+              <a:t>使用率（系统资源利用率） 过去半小时，</a:t>
+            </a:r>
+            <a:r>
+              <a:rPr lang="en-US" altLang="zh-CN" dirty="0" smtClean="0"/>
+              <a:t>cpu</a:t>
+            </a:r>
+            <a:r>
+              <a:rPr lang="zh-CN" altLang="en-US" dirty="0" smtClean="0"/>
+              <a:t>的使用率一直在</a:t>
+            </a:r>
+            <a:r>
+              <a:rPr lang="en-US" altLang="zh-CN" dirty="0" smtClean="0"/>
+              <a:t>90%</a:t>
+            </a:r>
+            <a:r>
+              <a:rPr lang="zh-CN" altLang="en-US" dirty="0" smtClean="0"/>
+              <a:t>以上</a:t>
+            </a:r>
+            <a:endParaRPr lang="en-US" altLang="zh-CN" dirty="0" smtClean="0"/>
+          </a:p>
+          <a:p>
+            <a:endParaRPr lang="en-US" altLang="zh-CN" dirty="0" smtClean="0"/>
+          </a:p>
+          <a:p>
+            <a:r>
+              <a:rPr lang="en-US" altLang="zh-CN" dirty="0" smtClean="0"/>
+              <a:t>Cep</a:t>
+            </a:r>
+            <a:r>
+              <a:rPr lang="en-US" altLang="zh-CN" baseline="0" dirty="0" smtClean="0"/>
+              <a:t> </a:t>
+            </a:r>
+            <a:r>
+              <a:rPr lang="zh-CN" altLang="en-US" baseline="0" dirty="0" smtClean="0"/>
+              <a:t>实时数据处理技术 从时间流中检查复杂事件 低延时（基于内存）、高吞吐（自动内存管理、窗口技术</a:t>
+            </a:r>
+            <a:r>
+              <a:rPr lang="zh-CN" altLang="en-US" baseline="0" dirty="0" smtClean="0"/>
+              <a:t>）</a:t>
+            </a:r>
+            <a:endParaRPr lang="en-US" altLang="zh-CN" baseline="0" dirty="0" smtClean="0"/>
+          </a:p>
+          <a:p>
+            <a:endParaRPr lang="en-US" altLang="zh-CN" baseline="0" dirty="0" smtClean="0"/>
+          </a:p>
+          <a:p>
+            <a:r>
+              <a:rPr lang="zh-CN" altLang="en-US" baseline="0" dirty="0" smtClean="0"/>
+              <a:t>时序数据</a:t>
+            </a:r>
+            <a:r>
+              <a:rPr lang="en-US" altLang="zh-CN" baseline="0" dirty="0" smtClean="0"/>
+              <a:t>-</a:t>
+            </a:r>
+            <a:r>
+              <a:rPr lang="zh-CN" altLang="en-US" baseline="0" dirty="0" smtClean="0"/>
+              <a:t>事件 规则分析 滑动时间窗口</a:t>
+            </a:r>
+            <a:endParaRPr lang="en-US" altLang="zh-CN" baseline="0" dirty="0" smtClean="0"/>
+          </a:p>
+        </p:txBody>
+      </p:sp>
+      <p:sp>
+        <p:nvSpPr>
+          <p:cNvPr id="4" name="灯片编号占位符 3"/>
+          <p:cNvSpPr>
+            <a:spLocks noGrp="1"/>
+          </p:cNvSpPr>
+          <p:nvPr>
+            <p:ph type="sldNum" sz="quarter" idx="10"/>
+          </p:nvPr>
+        </p:nvSpPr>
+        <p:spPr/>
+        <p:txBody>
+          <a:bodyPr/>
+          <a:lstStyle/>
+          <a:p>
+            <a:fld id="{35660B6B-48FB-4D4D-983D-CC81D99C78AA}" type="slidenum">
+              <a:rPr lang="zh-CN" altLang="en-US" smtClean="0"/>
+              <a:pPr/>
+              <a:t>3</a:t>
+            </a:fld>
+            <a:endParaRPr lang="zh-CN" altLang="en-US"/>
+          </a:p>
+        </p:txBody>
+      </p:sp>
+    </p:spTree>
+  </p:cSld>
+  <p:clrMapOvr>
+    <a:masterClrMapping/>
+  </p:clrMapOvr>
+</p:notes>
+</file>
+
+<file path=ppt/notesSlides/notesSlide3.xml><?xml version="1.0" encoding="utf-8"?>
+<p:notes xmlns:a="http://schemas.openxmlformats.org/drawingml/2006/main" xmlns:r="http://schemas.openxmlformats.org/officeDocument/2006/relationships" xmlns:p="http://schemas.openxmlformats.org/presentationml/2006/main">
+  <p:cSld>
+    <p:spTree>
+      <p:nvGrpSpPr>
+        <p:cNvPr id="1" name=""/>
+        <p:cNvGrpSpPr/>
+        <p:nvPr/>
+      </p:nvGrpSpPr>
+      <p:grpSpPr>
+        <a:xfrm>
+          <a:off x="0" y="0"/>
+          <a:ext cx="0" cy="0"/>
+          <a:chOff x="0" y="0"/>
+          <a:chExt cx="0" cy="0"/>
+        </a:xfrm>
+      </p:grpSpPr>
+      <p:sp>
+        <p:nvSpPr>
+          <p:cNvPr id="2" name="幻灯片图像占位符 1"/>
+          <p:cNvSpPr>
+            <a:spLocks noGrp="1" noRot="1" noChangeAspect="1"/>
+          </p:cNvSpPr>
+          <p:nvPr>
+            <p:ph type="sldImg"/>
+          </p:nvPr>
+        </p:nvSpPr>
+        <p:spPr/>
+      </p:sp>
+      <p:sp>
+        <p:nvSpPr>
+          <p:cNvPr id="3" name="备注占位符 2"/>
+          <p:cNvSpPr>
+            <a:spLocks noGrp="1"/>
+          </p:cNvSpPr>
+          <p:nvPr>
+            <p:ph type="body" idx="1"/>
+          </p:nvPr>
+        </p:nvSpPr>
+        <p:spPr/>
+        <p:txBody>
+          <a:bodyPr>
+            <a:normAutofit/>
+          </a:bodyPr>
+          <a:lstStyle/>
+          <a:p>
+            <a:r>
+              <a:rPr lang="zh-CN" altLang="en-US" dirty="0" smtClean="0"/>
+              <a:t>第一阶段：网络带宽、监控和故障发现</a:t>
+            </a:r>
+            <a:endParaRPr lang="en-US" altLang="zh-CN" dirty="0" smtClean="0"/>
+          </a:p>
+          <a:p>
+            <a:r>
+              <a:rPr lang="zh-CN" altLang="en-US" dirty="0" smtClean="0"/>
+              <a:t>第二阶段：网络、内存、中间件</a:t>
+            </a:r>
+            <a:endParaRPr lang="en-US" altLang="zh-CN" dirty="0" smtClean="0"/>
+          </a:p>
+          <a:p>
+            <a:r>
+              <a:rPr lang="zh-CN" altLang="en-US" dirty="0" smtClean="0"/>
+              <a:t>第三阶段：偏业务的监控（请求响应时间）</a:t>
+            </a:r>
+            <a:endParaRPr lang="en-US" altLang="zh-CN" dirty="0" smtClean="0"/>
+          </a:p>
+          <a:p>
+            <a:endParaRPr lang="en-US" altLang="zh-CN" dirty="0" smtClean="0"/>
+          </a:p>
+          <a:p>
+            <a:r>
+              <a:rPr lang="zh-CN" altLang="en-US" dirty="0" smtClean="0"/>
+              <a:t>天气情况的预测</a:t>
+            </a:r>
+            <a:endParaRPr lang="en-US" altLang="zh-CN" dirty="0" smtClean="0"/>
+          </a:p>
+          <a:p>
+            <a:endParaRPr lang="en-US" altLang="zh-CN" dirty="0" smtClean="0"/>
+          </a:p>
+          <a:p>
+            <a:r>
+              <a:rPr lang="zh-CN" altLang="en-US" dirty="0" smtClean="0"/>
+              <a:t>数据流处理：通过对快速流过的数据持续执行固定的查询给出更新的数据。</a:t>
+            </a:r>
+            <a:endParaRPr lang="en-US" altLang="zh-CN" dirty="0" smtClean="0"/>
+          </a:p>
+          <a:p>
+            <a:r>
+              <a:rPr lang="en-US" altLang="zh-CN" dirty="0" smtClean="0"/>
+              <a:t>Cep</a:t>
+            </a:r>
+            <a:r>
+              <a:rPr lang="zh-CN" altLang="en-US" dirty="0" smtClean="0"/>
+              <a:t>：将每个数据项看作是外部真实发生的某个事件，事件到来时，</a:t>
+            </a:r>
+            <a:r>
+              <a:rPr lang="en-US" altLang="zh-CN" dirty="0" smtClean="0"/>
+              <a:t>cep</a:t>
+            </a:r>
+            <a:r>
+              <a:rPr lang="zh-CN" altLang="en-US" dirty="0" smtClean="0"/>
+              <a:t>对这些事件执行过滤、关联、聚合等操作来确定正在发生的复杂事件</a:t>
+            </a:r>
+            <a:endParaRPr lang="en-US" altLang="zh-CN" dirty="0" smtClean="0"/>
+          </a:p>
+          <a:p>
+            <a:endParaRPr lang="en-US" altLang="zh-CN" dirty="0" smtClean="0"/>
+          </a:p>
+          <a:p>
+            <a:r>
+              <a:rPr lang="zh-CN" altLang="en-US" dirty="0" smtClean="0"/>
+              <a:t>开源实现</a:t>
+            </a:r>
+            <a:r>
+              <a:rPr lang="zh-CN" altLang="en-US" baseline="0" dirty="0" smtClean="0"/>
+              <a:t> 基于事件流的</a:t>
+            </a:r>
+            <a:r>
+              <a:rPr lang="en-US" altLang="zh-CN" baseline="0" dirty="0" smtClean="0"/>
+              <a:t>esper</a:t>
+            </a:r>
+            <a:r>
+              <a:rPr lang="zh-CN" altLang="en-US" baseline="0" dirty="0" smtClean="0"/>
+              <a:t>、基于规则引擎的</a:t>
+            </a:r>
+            <a:r>
+              <a:rPr lang="en-US" altLang="zh-CN" baseline="0" dirty="0" smtClean="0"/>
+              <a:t>Drools fusion</a:t>
+            </a:r>
+          </a:p>
+          <a:p>
+            <a:r>
+              <a:rPr lang="zh-CN" altLang="en-US" baseline="0" smtClean="0"/>
+              <a:t>可扩展、高可靠</a:t>
+            </a:r>
+            <a:endParaRPr lang="en-US" altLang="zh-CN" smtClean="0"/>
+          </a:p>
+          <a:p>
+            <a:endParaRPr lang="zh-CN" altLang="en-US" dirty="0"/>
+          </a:p>
+        </p:txBody>
+      </p:sp>
+      <p:sp>
+        <p:nvSpPr>
+          <p:cNvPr id="4" name="灯片编号占位符 3"/>
+          <p:cNvSpPr>
+            <a:spLocks noGrp="1"/>
+          </p:cNvSpPr>
+          <p:nvPr>
+            <p:ph type="sldNum" sz="quarter" idx="10"/>
+          </p:nvPr>
+        </p:nvSpPr>
+        <p:spPr/>
+        <p:txBody>
+          <a:bodyPr/>
+          <a:lstStyle/>
+          <a:p>
+            <a:fld id="{35660B6B-48FB-4D4D-983D-CC81D99C78AA}" type="slidenum">
+              <a:rPr lang="zh-CN" altLang="en-US" smtClean="0"/>
+              <a:pPr/>
+              <a:t>4</a:t>
+            </a:fld>
+            <a:endParaRPr lang="zh-CN" altLang="en-US"/>
+          </a:p>
+        </p:txBody>
+      </p:sp>
+    </p:spTree>
+  </p:cSld>
+  <p:clrMapOvr>
+    <a:masterClrMapping/>
+  </p:clrMapOvr>
+</p:notes>
+</file>
+
+<file path=ppt/notesSlides/notesSlide4.xml><?xml version="1.0" encoding="utf-8"?>
+<p:notes xmlns:a="http://schemas.openxmlformats.org/drawingml/2006/main" xmlns:r="http://schemas.openxmlformats.org/officeDocument/2006/relationships" xmlns:p="http://schemas.openxmlformats.org/presentationml/2006/main">
+  <p:cSld>
+    <p:spTree>
+      <p:nvGrpSpPr>
+        <p:cNvPr id="1" name=""/>
+        <p:cNvGrpSpPr/>
+        <p:nvPr/>
+      </p:nvGrpSpPr>
+      <p:grpSpPr>
+        <a:xfrm>
+          <a:off x="0" y="0"/>
+          <a:ext cx="0" cy="0"/>
+          <a:chOff x="0" y="0"/>
+          <a:chExt cx="0" cy="0"/>
+        </a:xfrm>
+      </p:grpSpPr>
+      <p:sp>
+        <p:nvSpPr>
+          <p:cNvPr id="2" name="幻灯片图像占位符 1"/>
+          <p:cNvSpPr>
+            <a:spLocks noGrp="1" noRot="1" noChangeAspect="1"/>
+          </p:cNvSpPr>
+          <p:nvPr>
+            <p:ph type="sldImg"/>
+          </p:nvPr>
+        </p:nvSpPr>
+        <p:spPr/>
+      </p:sp>
+      <p:sp>
+        <p:nvSpPr>
+          <p:cNvPr id="3" name="备注占位符 2"/>
+          <p:cNvSpPr>
+            <a:spLocks noGrp="1"/>
+          </p:cNvSpPr>
+          <p:nvPr>
+            <p:ph type="body" idx="1"/>
+          </p:nvPr>
+        </p:nvSpPr>
+        <p:spPr/>
+        <p:txBody>
+          <a:bodyPr>
+            <a:normAutofit/>
+          </a:bodyPr>
+          <a:lstStyle/>
+          <a:p>
+            <a:r>
+              <a:rPr lang="zh-CN" altLang="en-US" dirty="0" smtClean="0"/>
+              <a:t>基于时间流分发、规则分发的分布式解决方案</a:t>
+            </a:r>
+            <a:endParaRPr lang="en-US" altLang="zh-CN" dirty="0" smtClean="0"/>
+          </a:p>
+          <a:p>
+            <a:endParaRPr lang="zh-CN" altLang="en-US" dirty="0"/>
+          </a:p>
+        </p:txBody>
+      </p:sp>
+      <p:sp>
+        <p:nvSpPr>
+          <p:cNvPr id="4" name="灯片编号占位符 3"/>
+          <p:cNvSpPr>
+            <a:spLocks noGrp="1"/>
+          </p:cNvSpPr>
+          <p:nvPr>
+            <p:ph type="sldNum" sz="quarter" idx="10"/>
+          </p:nvPr>
+        </p:nvSpPr>
+        <p:spPr/>
+        <p:txBody>
+          <a:bodyPr/>
+          <a:lstStyle/>
+          <a:p>
+            <a:fld id="{35660B6B-48FB-4D4D-983D-CC81D99C78AA}" type="slidenum">
+              <a:rPr lang="zh-CN" altLang="en-US" smtClean="0"/>
+              <a:pPr/>
+              <a:t>5</a:t>
+            </a:fld>
+            <a:endParaRPr lang="zh-CN" altLang="en-US"/>
+          </a:p>
+        </p:txBody>
+      </p:sp>
+    </p:spTree>
+  </p:cSld>
+  <p:clrMapOvr>
+    <a:masterClrMapping/>
+  </p:clrMapOvr>
+</p:notes>
 </file>
 
 <file path=ppt/slideLayouts/slideLayout1.xml><?xml version="1.0" encoding="utf-8"?>
@@ -2730,60 +3705,6 @@
       </p:grpSpPr>
       <p:sp>
         <p:nvSpPr>
-          <p:cNvPr id="2" name="页脚占位符 3"/>
-          <p:cNvSpPr>
-            <a:spLocks noGrp="1"/>
-          </p:cNvSpPr>
-          <p:nvPr>
-            <p:ph type="ftr" sz="quarter" idx="10"/>
-          </p:nvPr>
-        </p:nvSpPr>
-        <p:spPr>
-          <a:extLst>
-            <a:ext uri="{909E8E84-426E-40DD-AFC4-6F175D3DCCD1}">
-              <a14:hiddenFill xmlns:a14="http://schemas.microsoft.com/office/drawing/2010/main" xmlns="">
-                <a:solidFill>
-                  <a:schemeClr val="accent1"/>
-                </a:solidFill>
-              </a14:hiddenFill>
-            </a:ext>
-            <a:ext uri="{91240B29-F687-4F45-9708-019B960494DF}">
-              <a14:hiddenLine xmlns:a14="http://schemas.microsoft.com/office/drawing/2010/main" xmlns="" w="9525">
-                <a:solidFill>
-                  <a:schemeClr val="tx1"/>
-                </a:solidFill>
-                <a:miter lim="800000"/>
-                <a:headEnd/>
-                <a:tailEnd/>
-              </a14:hiddenLine>
-            </a:ext>
-            <a:ext uri="{AF507438-7753-43E0-B8FC-AC1667EBCBE1}">
-              <a14:hiddenEffects xmlns:a14="http://schemas.microsoft.com/office/drawing/2010/main" xmlns="">
-                <a:effectLst>
-                  <a:outerShdw dist="35921" dir="2700000" algn="ctr" rotWithShape="0">
-                    <a:schemeClr val="bg2"/>
-                  </a:outerShdw>
-                </a:effectLst>
-              </a14:hiddenEffects>
-            </a:ext>
-          </a:extLst>
-        </p:spPr>
-        <p:txBody>
-          <a:bodyPr/>
-          <a:lstStyle/>
-          <a:p>
-            <a:pPr>
-              <a:defRPr/>
-            </a:pPr>
-            <a:r>
-              <a:rPr lang="en-US" altLang="ko-KR"/>
-              <a:t>Company Logo</a:t>
-            </a:r>
-          </a:p>
-        </p:txBody>
-      </p:sp>
-      <p:sp>
-        <p:nvSpPr>
           <p:cNvPr id="2051" name="矩形 3"/>
           <p:cNvSpPr>
             <a:spLocks noChangeArrowheads="1"/>
@@ -3084,60 +4005,6 @@
           <a:chExt cx="0" cy="0"/>
         </a:xfrm>
       </p:grpSpPr>
-      <p:sp>
-        <p:nvSpPr>
-          <p:cNvPr id="9" name="页脚占位符 3"/>
-          <p:cNvSpPr>
-            <a:spLocks noGrp="1"/>
-          </p:cNvSpPr>
-          <p:nvPr>
-            <p:ph type="ftr" sz="quarter" idx="10"/>
-          </p:nvPr>
-        </p:nvSpPr>
-        <p:spPr>
-          <a:extLst>
-            <a:ext uri="{909E8E84-426E-40DD-AFC4-6F175D3DCCD1}">
-              <a14:hiddenFill xmlns:a14="http://schemas.microsoft.com/office/drawing/2010/main" xmlns="">
-                <a:solidFill>
-                  <a:schemeClr val="accent1"/>
-                </a:solidFill>
-              </a14:hiddenFill>
-            </a:ext>
-            <a:ext uri="{91240B29-F687-4F45-9708-019B960494DF}">
-              <a14:hiddenLine xmlns:a14="http://schemas.microsoft.com/office/drawing/2010/main" xmlns="" w="9525">
-                <a:solidFill>
-                  <a:schemeClr val="tx1"/>
-                </a:solidFill>
-                <a:miter lim="800000"/>
-                <a:headEnd/>
-                <a:tailEnd/>
-              </a14:hiddenLine>
-            </a:ext>
-            <a:ext uri="{AF507438-7753-43E0-B8FC-AC1667EBCBE1}">
-              <a14:hiddenEffects xmlns:a14="http://schemas.microsoft.com/office/drawing/2010/main" xmlns="">
-                <a:effectLst>
-                  <a:outerShdw dist="35921" dir="2700000" algn="ctr" rotWithShape="0">
-                    <a:schemeClr val="bg2"/>
-                  </a:outerShdw>
-                </a:effectLst>
-              </a14:hiddenEffects>
-            </a:ext>
-          </a:extLst>
-        </p:spPr>
-        <p:txBody>
-          <a:bodyPr/>
-          <a:lstStyle/>
-          <a:p>
-            <a:pPr>
-              <a:defRPr/>
-            </a:pPr>
-            <a:r>
-              <a:rPr lang="en-US" altLang="ko-KR"/>
-              <a:t>Company Logo</a:t>
-            </a:r>
-          </a:p>
-        </p:txBody>
-      </p:sp>
       <p:sp>
         <p:nvSpPr>
           <p:cNvPr id="4" name="TextBox 3"/>
@@ -3287,7 +4154,7 @@
         </p:blipFill>
         <p:spPr bwMode="auto">
           <a:xfrm>
-            <a:off x="-323850" y="3632200"/>
+            <a:off x="-249238" y="3632200"/>
             <a:ext cx="3754438" cy="3225800"/>
           </a:xfrm>
           <a:prstGeom prst="rect">
@@ -3881,7 +4748,7 @@
           <p:nvPr/>
         </p:nvPicPr>
         <p:blipFill>
-          <a:blip r:embed="rId2"/>
+          <a:blip r:embed="rId3"/>
           <a:srcRect/>
           <a:stretch>
             <a:fillRect/>
@@ -3904,71 +4771,6 @@
           </a:ln>
         </p:spPr>
       </p:pic>
-      <p:sp>
-        <p:nvSpPr>
-          <p:cNvPr id="4" name="页脚占位符 3"/>
-          <p:cNvSpPr txBox="1">
-            <a:spLocks noGrp="1"/>
-          </p:cNvSpPr>
-          <p:nvPr/>
-        </p:nvSpPr>
-        <p:spPr bwMode="auto">
-          <a:xfrm>
-            <a:off x="177800" y="6365875"/>
-            <a:ext cx="1946275" cy="304800"/>
-          </a:xfrm>
-          <a:prstGeom prst="rect">
-            <a:avLst/>
-          </a:prstGeom>
-          <a:noFill/>
-          <a:extLst>
-            <a:ext uri="{909E8E84-426E-40DD-AFC4-6F175D3DCCD1}">
-              <a14:hiddenFill xmlns:a14="http://schemas.microsoft.com/office/drawing/2010/main" xmlns="">
-                <a:solidFill>
-                  <a:schemeClr val="accent1"/>
-                </a:solidFill>
-              </a14:hiddenFill>
-            </a:ext>
-            <a:ext uri="{91240B29-F687-4F45-9708-019B960494DF}">
-              <a14:hiddenLine xmlns:a14="http://schemas.microsoft.com/office/drawing/2010/main" xmlns="" w="9525">
-                <a:solidFill>
-                  <a:schemeClr val="tx1"/>
-                </a:solidFill>
-                <a:miter lim="800000"/>
-                <a:headEnd/>
-                <a:tailEnd/>
-              </a14:hiddenLine>
-            </a:ext>
-            <a:ext uri="{AF507438-7753-43E0-B8FC-AC1667EBCBE1}">
-              <a14:hiddenEffects xmlns:a14="http://schemas.microsoft.com/office/drawing/2010/main" xmlns="">
-                <a:effectLst>
-                  <a:outerShdw dist="35921" dir="2700000" algn="ctr" rotWithShape="0">
-                    <a:schemeClr val="bg2"/>
-                  </a:outerShdw>
-                </a:effectLst>
-              </a14:hiddenEffects>
-            </a:ext>
-          </a:extLst>
-        </p:spPr>
-        <p:txBody>
-          <a:bodyPr/>
-          <a:lstStyle/>
-          <a:p>
-            <a:pPr eaLnBrk="1" hangingPunct="1">
-              <a:defRPr/>
-            </a:pPr>
-            <a:r>
-              <a:rPr lang="en-US" altLang="ko-KR" sz="1600" b="1">
-                <a:solidFill>
-                  <a:srgbClr val="FFFFFF"/>
-                </a:solidFill>
-                <a:latin typeface="+mn-lt"/>
-              </a:rPr>
-              <a:t>Company Logo</a:t>
-            </a:r>
-          </a:p>
-        </p:txBody>
-      </p:sp>
       <p:grpSp>
         <p:nvGrpSpPr>
           <p:cNvPr id="3077" name="Group 49"/>
@@ -7855,71 +8657,6 @@
           </a:p>
         </p:txBody>
       </p:sp>
-      <p:sp>
-        <p:nvSpPr>
-          <p:cNvPr id="4" name="页脚占位符 3"/>
-          <p:cNvSpPr txBox="1">
-            <a:spLocks noGrp="1"/>
-          </p:cNvSpPr>
-          <p:nvPr/>
-        </p:nvSpPr>
-        <p:spPr bwMode="auto">
-          <a:xfrm>
-            <a:off x="177800" y="6365875"/>
-            <a:ext cx="1946275" cy="304800"/>
-          </a:xfrm>
-          <a:prstGeom prst="rect">
-            <a:avLst/>
-          </a:prstGeom>
-          <a:noFill/>
-          <a:extLst>
-            <a:ext uri="{909E8E84-426E-40DD-AFC4-6F175D3DCCD1}">
-              <a14:hiddenFill xmlns:a14="http://schemas.microsoft.com/office/drawing/2010/main" xmlns="">
-                <a:solidFill>
-                  <a:schemeClr val="accent1"/>
-                </a:solidFill>
-              </a14:hiddenFill>
-            </a:ext>
-            <a:ext uri="{91240B29-F687-4F45-9708-019B960494DF}">
-              <a14:hiddenLine xmlns:a14="http://schemas.microsoft.com/office/drawing/2010/main" xmlns="" w="9525">
-                <a:solidFill>
-                  <a:schemeClr val="tx1"/>
-                </a:solidFill>
-                <a:miter lim="800000"/>
-                <a:headEnd/>
-                <a:tailEnd/>
-              </a14:hiddenLine>
-            </a:ext>
-            <a:ext uri="{AF507438-7753-43E0-B8FC-AC1667EBCBE1}">
-              <a14:hiddenEffects xmlns:a14="http://schemas.microsoft.com/office/drawing/2010/main" xmlns="">
-                <a:effectLst>
-                  <a:outerShdw dist="35921" dir="2700000" algn="ctr" rotWithShape="0">
-                    <a:schemeClr val="bg2"/>
-                  </a:outerShdw>
-                </a:effectLst>
-              </a14:hiddenEffects>
-            </a:ext>
-          </a:extLst>
-        </p:spPr>
-        <p:txBody>
-          <a:bodyPr/>
-          <a:lstStyle/>
-          <a:p>
-            <a:pPr eaLnBrk="1" hangingPunct="1">
-              <a:defRPr/>
-            </a:pPr>
-            <a:r>
-              <a:rPr lang="en-US" altLang="ko-KR" sz="1600" b="1">
-                <a:solidFill>
-                  <a:srgbClr val="FFFFFF"/>
-                </a:solidFill>
-                <a:latin typeface="+mn-lt"/>
-              </a:rPr>
-              <a:t>Company Logo</a:t>
-            </a:r>
-          </a:p>
-        </p:txBody>
-      </p:sp>
       <p:pic>
         <p:nvPicPr>
           <p:cNvPr id="4100" name="Picture 54" descr="C:\Users\freedu\AppData\Roaming\Tencent\Users\1042493185\QQ\WinTemp\RichOle\`QN0MY6OHZ52LSRU3DXM8GB.jpg"/>
@@ -7929,7 +8666,7 @@
           <p:nvPr/>
         </p:nvPicPr>
         <p:blipFill>
-          <a:blip r:embed="rId2"/>
+          <a:blip r:embed="rId3"/>
           <a:srcRect/>
           <a:stretch>
             <a:fillRect/>
@@ -9800,60 +10537,6 @@
       </p:grpSpPr>
       <p:sp>
         <p:nvSpPr>
-          <p:cNvPr id="26" name="页脚占位符 3"/>
-          <p:cNvSpPr>
-            <a:spLocks noGrp="1"/>
-          </p:cNvSpPr>
-          <p:nvPr>
-            <p:ph type="ftr" sz="quarter" idx="10"/>
-          </p:nvPr>
-        </p:nvSpPr>
-        <p:spPr>
-          <a:extLst>
-            <a:ext uri="{909E8E84-426E-40DD-AFC4-6F175D3DCCD1}">
-              <a14:hiddenFill xmlns:a14="http://schemas.microsoft.com/office/drawing/2010/main" xmlns="">
-                <a:solidFill>
-                  <a:schemeClr val="accent1"/>
-                </a:solidFill>
-              </a14:hiddenFill>
-            </a:ext>
-            <a:ext uri="{91240B29-F687-4F45-9708-019B960494DF}">
-              <a14:hiddenLine xmlns:a14="http://schemas.microsoft.com/office/drawing/2010/main" xmlns="" w="9525">
-                <a:solidFill>
-                  <a:schemeClr val="tx1"/>
-                </a:solidFill>
-                <a:miter lim="800000"/>
-                <a:headEnd/>
-                <a:tailEnd/>
-              </a14:hiddenLine>
-            </a:ext>
-            <a:ext uri="{AF507438-7753-43E0-B8FC-AC1667EBCBE1}">
-              <a14:hiddenEffects xmlns:a14="http://schemas.microsoft.com/office/drawing/2010/main" xmlns="">
-                <a:effectLst>
-                  <a:outerShdw dist="35921" dir="2700000" algn="ctr" rotWithShape="0">
-                    <a:schemeClr val="bg2"/>
-                  </a:outerShdw>
-                </a:effectLst>
-              </a14:hiddenEffects>
-            </a:ext>
-          </a:extLst>
-        </p:spPr>
-        <p:txBody>
-          <a:bodyPr/>
-          <a:lstStyle/>
-          <a:p>
-            <a:pPr>
-              <a:defRPr/>
-            </a:pPr>
-            <a:r>
-              <a:rPr lang="en-US" altLang="ko-KR"/>
-              <a:t>Company Logo</a:t>
-            </a:r>
-          </a:p>
-        </p:txBody>
-      </p:sp>
-      <p:sp>
-        <p:nvSpPr>
           <p:cNvPr id="5123" name="TextBox 45"/>
           <p:cNvSpPr txBox="1">
             <a:spLocks noChangeArrowheads="1"/>
@@ -11527,60 +12210,6 @@
           <a:chExt cx="0" cy="0"/>
         </a:xfrm>
       </p:grpSpPr>
-      <p:sp>
-        <p:nvSpPr>
-          <p:cNvPr id="51" name="页脚占位符 3"/>
-          <p:cNvSpPr>
-            <a:spLocks noGrp="1"/>
-          </p:cNvSpPr>
-          <p:nvPr>
-            <p:ph type="ftr" sz="quarter" idx="10"/>
-          </p:nvPr>
-        </p:nvSpPr>
-        <p:spPr>
-          <a:extLst>
-            <a:ext uri="{909E8E84-426E-40DD-AFC4-6F175D3DCCD1}">
-              <a14:hiddenFill xmlns:a14="http://schemas.microsoft.com/office/drawing/2010/main" xmlns="">
-                <a:solidFill>
-                  <a:schemeClr val="accent1"/>
-                </a:solidFill>
-              </a14:hiddenFill>
-            </a:ext>
-            <a:ext uri="{91240B29-F687-4F45-9708-019B960494DF}">
-              <a14:hiddenLine xmlns:a14="http://schemas.microsoft.com/office/drawing/2010/main" xmlns="" w="9525">
-                <a:solidFill>
-                  <a:schemeClr val="tx1"/>
-                </a:solidFill>
-                <a:miter lim="800000"/>
-                <a:headEnd/>
-                <a:tailEnd/>
-              </a14:hiddenLine>
-            </a:ext>
-            <a:ext uri="{AF507438-7753-43E0-B8FC-AC1667EBCBE1}">
-              <a14:hiddenEffects xmlns:a14="http://schemas.microsoft.com/office/drawing/2010/main" xmlns="">
-                <a:effectLst>
-                  <a:outerShdw dist="35921" dir="2700000" algn="ctr" rotWithShape="0">
-                    <a:schemeClr val="bg2"/>
-                  </a:outerShdw>
-                </a:effectLst>
-              </a14:hiddenEffects>
-            </a:ext>
-          </a:extLst>
-        </p:spPr>
-        <p:txBody>
-          <a:bodyPr/>
-          <a:lstStyle/>
-          <a:p>
-            <a:pPr>
-              <a:defRPr/>
-            </a:pPr>
-            <a:r>
-              <a:rPr lang="en-US" altLang="ko-KR"/>
-              <a:t>Company Logo</a:t>
-            </a:r>
-          </a:p>
-        </p:txBody>
-      </p:sp>
       <p:sp>
         <p:nvSpPr>
           <p:cNvPr id="6147" name="TextBox 45"/>
@@ -14979,44 +15608,6 @@
       </p:sp>
       <p:sp>
         <p:nvSpPr>
-          <p:cNvPr id="6163" name="AutoShape 64"/>
-          <p:cNvSpPr>
-            <a:spLocks noChangeArrowheads="1"/>
-          </p:cNvSpPr>
-          <p:nvPr/>
-        </p:nvSpPr>
-        <p:spPr bwMode="auto">
-          <a:xfrm flipH="1">
-            <a:off x="5253038" y="3111500"/>
-            <a:ext cx="71437" cy="134938"/>
-          </a:xfrm>
-          <a:prstGeom prst="octagon">
-            <a:avLst>
-              <a:gd name="adj" fmla="val 29287"/>
-            </a:avLst>
-          </a:prstGeom>
-          <a:solidFill>
-            <a:schemeClr val="bg1"/>
-          </a:solidFill>
-          <a:ln w="9525">
-            <a:noFill/>
-            <a:miter lim="800000"/>
-            <a:headEnd/>
-            <a:tailEnd/>
-          </a:ln>
-          <a:effectLst/>
-        </p:spPr>
-        <p:txBody>
-          <a:bodyPr wrap="none" anchor="ctr"/>
-          <a:lstStyle/>
-          <a:p>
-            <a:pPr algn="ctr" eaLnBrk="1" hangingPunct="1"/>
-            <a:endParaRPr lang="zh-CN" altLang="en-US"/>
-          </a:p>
-        </p:txBody>
-      </p:sp>
-      <p:sp>
-        <p:nvSpPr>
           <p:cNvPr id="6164" name="AutoShape 68"/>
           <p:cNvSpPr>
             <a:spLocks noChangeArrowheads="1"/>
@@ -15599,49 +16190,6 @@
               <a:defRPr/>
             </a:pPr>
             <a:endParaRPr lang="zh-CN" altLang="en-US"/>
-          </a:p>
-        </p:txBody>
-      </p:sp>
-      <p:sp>
-        <p:nvSpPr>
-          <p:cNvPr id="6167" name="Text Box 72"/>
-          <p:cNvSpPr txBox="1">
-            <a:spLocks noChangeArrowheads="1"/>
-          </p:cNvSpPr>
-          <p:nvPr/>
-        </p:nvSpPr>
-        <p:spPr bwMode="gray">
-          <a:xfrm>
-            <a:off x="6294438" y="2557463"/>
-            <a:ext cx="1308100" cy="304800"/>
-          </a:xfrm>
-          <a:prstGeom prst="rect">
-            <a:avLst/>
-          </a:prstGeom>
-          <a:noFill/>
-          <a:ln w="9525" algn="ctr">
-            <a:noFill/>
-            <a:miter lim="800000"/>
-            <a:headEnd/>
-            <a:tailEnd/>
-          </a:ln>
-          <a:effectLst/>
-        </p:spPr>
-        <p:txBody>
-          <a:bodyPr wrap="none">
-            <a:spAutoFit/>
-          </a:bodyPr>
-          <a:lstStyle/>
-          <a:p>
-            <a:pPr algn="ctr"/>
-            <a:r>
-              <a:rPr lang="en-US" altLang="zh-CN" sz="1400">
-                <a:solidFill>
-                  <a:srgbClr val="FFFFFF"/>
-                </a:solidFill>
-              </a:rPr>
-              <a:t>Add Your Title</a:t>
-            </a:r>
           </a:p>
         </p:txBody>
       </p:sp>
@@ -16714,60 +17262,6 @@
           <a:chExt cx="0" cy="0"/>
         </a:xfrm>
       </p:grpSpPr>
-      <p:sp>
-        <p:nvSpPr>
-          <p:cNvPr id="8" name="页脚占位符 3"/>
-          <p:cNvSpPr>
-            <a:spLocks noGrp="1"/>
-          </p:cNvSpPr>
-          <p:nvPr>
-            <p:ph type="ftr" sz="quarter" idx="10"/>
-          </p:nvPr>
-        </p:nvSpPr>
-        <p:spPr>
-          <a:extLst>
-            <a:ext uri="{909E8E84-426E-40DD-AFC4-6F175D3DCCD1}">
-              <a14:hiddenFill xmlns:a14="http://schemas.microsoft.com/office/drawing/2010/main" xmlns="">
-                <a:solidFill>
-                  <a:schemeClr val="accent1"/>
-                </a:solidFill>
-              </a14:hiddenFill>
-            </a:ext>
-            <a:ext uri="{91240B29-F687-4F45-9708-019B960494DF}">
-              <a14:hiddenLine xmlns:a14="http://schemas.microsoft.com/office/drawing/2010/main" xmlns="" w="9525">
-                <a:solidFill>
-                  <a:schemeClr val="tx1"/>
-                </a:solidFill>
-                <a:miter lim="800000"/>
-                <a:headEnd/>
-                <a:tailEnd/>
-              </a14:hiddenLine>
-            </a:ext>
-            <a:ext uri="{AF507438-7753-43E0-B8FC-AC1667EBCBE1}">
-              <a14:hiddenEffects xmlns:a14="http://schemas.microsoft.com/office/drawing/2010/main" xmlns="">
-                <a:effectLst>
-                  <a:outerShdw dist="35921" dir="2700000" algn="ctr" rotWithShape="0">
-                    <a:schemeClr val="bg2"/>
-                  </a:outerShdw>
-                </a:effectLst>
-              </a14:hiddenEffects>
-            </a:ext>
-          </a:extLst>
-        </p:spPr>
-        <p:txBody>
-          <a:bodyPr/>
-          <a:lstStyle/>
-          <a:p>
-            <a:pPr>
-              <a:defRPr/>
-            </a:pPr>
-            <a:r>
-              <a:rPr lang="en-US" altLang="ko-KR"/>
-              <a:t>Company Logo</a:t>
-            </a:r>
-          </a:p>
-        </p:txBody>
-      </p:sp>
       <p:grpSp>
         <p:nvGrpSpPr>
           <p:cNvPr id="7171" name="Group 28"/>
@@ -18897,60 +19391,6 @@
           <a:chExt cx="0" cy="0"/>
         </a:xfrm>
       </p:grpSpPr>
-      <p:sp>
-        <p:nvSpPr>
-          <p:cNvPr id="20" name="页脚占位符 3"/>
-          <p:cNvSpPr>
-            <a:spLocks noGrp="1"/>
-          </p:cNvSpPr>
-          <p:nvPr>
-            <p:ph type="ftr" sz="quarter" idx="10"/>
-          </p:nvPr>
-        </p:nvSpPr>
-        <p:spPr>
-          <a:extLst>
-            <a:ext uri="{909E8E84-426E-40DD-AFC4-6F175D3DCCD1}">
-              <a14:hiddenFill xmlns:a14="http://schemas.microsoft.com/office/drawing/2010/main" xmlns="">
-                <a:solidFill>
-                  <a:schemeClr val="accent1"/>
-                </a:solidFill>
-              </a14:hiddenFill>
-            </a:ext>
-            <a:ext uri="{91240B29-F687-4F45-9708-019B960494DF}">
-              <a14:hiddenLine xmlns:a14="http://schemas.microsoft.com/office/drawing/2010/main" xmlns="" w="9525">
-                <a:solidFill>
-                  <a:schemeClr val="tx1"/>
-                </a:solidFill>
-                <a:miter lim="800000"/>
-                <a:headEnd/>
-                <a:tailEnd/>
-              </a14:hiddenLine>
-            </a:ext>
-            <a:ext uri="{AF507438-7753-43E0-B8FC-AC1667EBCBE1}">
-              <a14:hiddenEffects xmlns:a14="http://schemas.microsoft.com/office/drawing/2010/main" xmlns="">
-                <a:effectLst>
-                  <a:outerShdw dist="35921" dir="2700000" algn="ctr" rotWithShape="0">
-                    <a:schemeClr val="bg2"/>
-                  </a:outerShdw>
-                </a:effectLst>
-              </a14:hiddenEffects>
-            </a:ext>
-          </a:extLst>
-        </p:spPr>
-        <p:txBody>
-          <a:bodyPr/>
-          <a:lstStyle/>
-          <a:p>
-            <a:pPr>
-              <a:defRPr/>
-            </a:pPr>
-            <a:r>
-              <a:rPr lang="en-US" altLang="ko-KR"/>
-              <a:t>Company Logo</a:t>
-            </a:r>
-          </a:p>
-        </p:txBody>
-      </p:sp>
       <p:grpSp>
         <p:nvGrpSpPr>
           <p:cNvPr id="8195" name="Group 28"/>
@@ -20545,60 +20985,6 @@
       </p:grpSpPr>
       <p:sp>
         <p:nvSpPr>
-          <p:cNvPr id="20" name="页脚占位符 3"/>
-          <p:cNvSpPr>
-            <a:spLocks noGrp="1"/>
-          </p:cNvSpPr>
-          <p:nvPr>
-            <p:ph type="ftr" sz="quarter" idx="10"/>
-          </p:nvPr>
-        </p:nvSpPr>
-        <p:spPr>
-          <a:extLst>
-            <a:ext uri="{909E8E84-426E-40DD-AFC4-6F175D3DCCD1}">
-              <a14:hiddenFill xmlns:a14="http://schemas.microsoft.com/office/drawing/2010/main" xmlns="">
-                <a:solidFill>
-                  <a:schemeClr val="accent1"/>
-                </a:solidFill>
-              </a14:hiddenFill>
-            </a:ext>
-            <a:ext uri="{91240B29-F687-4F45-9708-019B960494DF}">
-              <a14:hiddenLine xmlns:a14="http://schemas.microsoft.com/office/drawing/2010/main" xmlns="" w="9525">
-                <a:solidFill>
-                  <a:schemeClr val="tx1"/>
-                </a:solidFill>
-                <a:miter lim="800000"/>
-                <a:headEnd/>
-                <a:tailEnd/>
-              </a14:hiddenLine>
-            </a:ext>
-            <a:ext uri="{AF507438-7753-43E0-B8FC-AC1667EBCBE1}">
-              <a14:hiddenEffects xmlns:a14="http://schemas.microsoft.com/office/drawing/2010/main" xmlns="">
-                <a:effectLst>
-                  <a:outerShdw dist="35921" dir="2700000" algn="ctr" rotWithShape="0">
-                    <a:schemeClr val="bg2"/>
-                  </a:outerShdw>
-                </a:effectLst>
-              </a14:hiddenEffects>
-            </a:ext>
-          </a:extLst>
-        </p:spPr>
-        <p:txBody>
-          <a:bodyPr/>
-          <a:lstStyle/>
-          <a:p>
-            <a:pPr>
-              <a:defRPr/>
-            </a:pPr>
-            <a:r>
-              <a:rPr lang="en-US" altLang="ko-KR"/>
-              <a:t>Company Logo</a:t>
-            </a:r>
-          </a:p>
-        </p:txBody>
-      </p:sp>
-      <p:sp>
-        <p:nvSpPr>
           <p:cNvPr id="9219" name="AutoShape 3"/>
           <p:cNvSpPr>
             <a:spLocks noChangeArrowheads="1"/>
@@ -21719,60 +22105,6 @@
           <a:chExt cx="0" cy="0"/>
         </a:xfrm>
       </p:grpSpPr>
-      <p:sp>
-        <p:nvSpPr>
-          <p:cNvPr id="34" name="页脚占位符 2"/>
-          <p:cNvSpPr>
-            <a:spLocks noGrp="1"/>
-          </p:cNvSpPr>
-          <p:nvPr>
-            <p:ph type="ftr" sz="quarter" idx="10"/>
-          </p:nvPr>
-        </p:nvSpPr>
-        <p:spPr>
-          <a:extLst>
-            <a:ext uri="{909E8E84-426E-40DD-AFC4-6F175D3DCCD1}">
-              <a14:hiddenFill xmlns:a14="http://schemas.microsoft.com/office/drawing/2010/main" xmlns="">
-                <a:solidFill>
-                  <a:schemeClr val="accent1"/>
-                </a:solidFill>
-              </a14:hiddenFill>
-            </a:ext>
-            <a:ext uri="{91240B29-F687-4F45-9708-019B960494DF}">
-              <a14:hiddenLine xmlns:a14="http://schemas.microsoft.com/office/drawing/2010/main" xmlns="" w="9525">
-                <a:solidFill>
-                  <a:schemeClr val="tx1"/>
-                </a:solidFill>
-                <a:miter lim="800000"/>
-                <a:headEnd/>
-                <a:tailEnd/>
-              </a14:hiddenLine>
-            </a:ext>
-            <a:ext uri="{AF507438-7753-43E0-B8FC-AC1667EBCBE1}">
-              <a14:hiddenEffects xmlns:a14="http://schemas.microsoft.com/office/drawing/2010/main" xmlns="">
-                <a:effectLst>
-                  <a:outerShdw dist="35921" dir="2700000" algn="ctr" rotWithShape="0">
-                    <a:schemeClr val="bg2"/>
-                  </a:outerShdw>
-                </a:effectLst>
-              </a14:hiddenEffects>
-            </a:ext>
-          </a:extLst>
-        </p:spPr>
-        <p:txBody>
-          <a:bodyPr/>
-          <a:lstStyle/>
-          <a:p>
-            <a:pPr>
-              <a:defRPr/>
-            </a:pPr>
-            <a:r>
-              <a:rPr lang="en-US" altLang="ko-KR"/>
-              <a:t>Company Logo</a:t>
-            </a:r>
-          </a:p>
-        </p:txBody>
-      </p:sp>
       <p:sp>
         <p:nvSpPr>
           <p:cNvPr id="10243" name="TextBox 45"/>
@@ -23724,4 +24056,287 @@
     </a:ext>
   </a:extLst>
 </a:theme>
+</file>
+
+<file path=ppt/theme/theme2.xml><?xml version="1.0" encoding="utf-8"?>
+<a:theme xmlns:a="http://schemas.openxmlformats.org/drawingml/2006/main" name="Office 主题">
+  <a:themeElements>
+    <a:clrScheme name="Office">
+      <a:dk1>
+        <a:sysClr val="windowText" lastClr="000000"/>
+      </a:dk1>
+      <a:lt1>
+        <a:sysClr val="window" lastClr="FFFFFF"/>
+      </a:lt1>
+      <a:dk2>
+        <a:srgbClr val="1F497D"/>
+      </a:dk2>
+      <a:lt2>
+        <a:srgbClr val="EEECE1"/>
+      </a:lt2>
+      <a:accent1>
+        <a:srgbClr val="4F81BD"/>
+      </a:accent1>
+      <a:accent2>
+        <a:srgbClr val="C0504D"/>
+      </a:accent2>
+      <a:accent3>
+        <a:srgbClr val="9BBB59"/>
+      </a:accent3>
+      <a:accent4>
+        <a:srgbClr val="8064A2"/>
+      </a:accent4>
+      <a:accent5>
+        <a:srgbClr val="4BACC6"/>
+      </a:accent5>
+      <a:accent6>
+        <a:srgbClr val="F79646"/>
+      </a:accent6>
+      <a:hlink>
+        <a:srgbClr val="0000FF"/>
+      </a:hlink>
+      <a:folHlink>
+        <a:srgbClr val="800080"/>
+      </a:folHlink>
+    </a:clrScheme>
+    <a:fontScheme name="Office">
+      <a:majorFont>
+        <a:latin typeface="Calibri"/>
+        <a:ea typeface=""/>
+        <a:cs typeface=""/>
+        <a:font script="Jpan" typeface="ＭＳ Ｐゴシック"/>
+        <a:font script="Hang" typeface="맑은 고딕"/>
+        <a:font script="Hans" typeface="宋体"/>
+        <a:font script="Hant" typeface="新細明體"/>
+        <a:font script="Arab" typeface="Times New Roman"/>
+        <a:font script="Hebr" typeface="Times New Roman"/>
+        <a:font script="Thai" typeface="Angsana New"/>
+        <a:font script="Ethi" typeface="Nyala"/>
+        <a:font script="Beng" typeface="Vrinda"/>
+        <a:font script="Gujr" typeface="Shruti"/>
+        <a:font script="Khmr" typeface="MoolBoran"/>
+        <a:font script="Knda" typeface="Tunga"/>
+        <a:font script="Guru" typeface="Raavi"/>
+        <a:font script="Cans" typeface="Euphemia"/>
+        <a:font script="Cher" typeface="Plantagenet Cherokee"/>
+        <a:font script="Yiii" typeface="Microsoft Yi Baiti"/>
+        <a:font script="Tibt" typeface="Microsoft Himalaya"/>
+        <a:font script="Thaa" typeface="MV Boli"/>
+        <a:font script="Deva" typeface="Mangal"/>
+        <a:font script="Telu" typeface="Gautami"/>
+        <a:font script="Taml" typeface="Latha"/>
+        <a:font script="Syrc" typeface="Estrangelo Edessa"/>
+        <a:font script="Orya" typeface="Kalinga"/>
+        <a:font script="Mlym" typeface="Kartika"/>
+        <a:font script="Laoo" typeface="DokChampa"/>
+        <a:font script="Sinh" typeface="Iskoola Pota"/>
+        <a:font script="Mong" typeface="Mongolian Baiti"/>
+        <a:font script="Viet" typeface="Times New Roman"/>
+        <a:font script="Uigh" typeface="Microsoft Uighur"/>
+      </a:majorFont>
+      <a:minorFont>
+        <a:latin typeface="Calibri"/>
+        <a:ea typeface=""/>
+        <a:cs typeface=""/>
+        <a:font script="Jpan" typeface="ＭＳ Ｐゴシック"/>
+        <a:font script="Hang" typeface="맑은 고딕"/>
+        <a:font script="Hans" typeface="宋体"/>
+        <a:font script="Hant" typeface="新細明體"/>
+        <a:font script="Arab" typeface="Arial"/>
+        <a:font script="Hebr" typeface="Arial"/>
+        <a:font script="Thai" typeface="Cordia New"/>
+        <a:font script="Ethi" typeface="Nyala"/>
+        <a:font script="Beng" typeface="Vrinda"/>
+        <a:font script="Gujr" typeface="Shruti"/>
+        <a:font script="Khmr" typeface="DaunPenh"/>
+        <a:font script="Knda" typeface="Tunga"/>
+        <a:font script="Guru" typeface="Raavi"/>
+        <a:font script="Cans" typeface="Euphemia"/>
+        <a:font script="Cher" typeface="Plantagenet Cherokee"/>
+        <a:font script="Yiii" typeface="Microsoft Yi Baiti"/>
+        <a:font script="Tibt" typeface="Microsoft Himalaya"/>
+        <a:font script="Thaa" typeface="MV Boli"/>
+        <a:font script="Deva" typeface="Mangal"/>
+        <a:font script="Telu" typeface="Gautami"/>
+        <a:font script="Taml" typeface="Latha"/>
+        <a:font script="Syrc" typeface="Estrangelo Edessa"/>
+        <a:font script="Orya" typeface="Kalinga"/>
+        <a:font script="Mlym" typeface="Kartika"/>
+        <a:font script="Laoo" typeface="DokChampa"/>
+        <a:font script="Sinh" typeface="Iskoola Pota"/>
+        <a:font script="Mong" typeface="Mongolian Baiti"/>
+        <a:font script="Viet" typeface="Arial"/>
+        <a:font script="Uigh" typeface="Microsoft Uighur"/>
+      </a:minorFont>
+    </a:fontScheme>
+    <a:fmtScheme name="Office">
+      <a:fillStyleLst>
+        <a:solidFill>
+          <a:schemeClr val="phClr"/>
+        </a:solidFill>
+        <a:gradFill rotWithShape="1">
+          <a:gsLst>
+            <a:gs pos="0">
+              <a:schemeClr val="phClr">
+                <a:tint val="50000"/>
+                <a:satMod val="300000"/>
+              </a:schemeClr>
+            </a:gs>
+            <a:gs pos="35000">
+              <a:schemeClr val="phClr">
+                <a:tint val="37000"/>
+                <a:satMod val="300000"/>
+              </a:schemeClr>
+            </a:gs>
+            <a:gs pos="100000">
+              <a:schemeClr val="phClr">
+                <a:tint val="15000"/>
+                <a:satMod val="350000"/>
+              </a:schemeClr>
+            </a:gs>
+          </a:gsLst>
+          <a:lin ang="16200000" scaled="1"/>
+        </a:gradFill>
+        <a:gradFill rotWithShape="1">
+          <a:gsLst>
+            <a:gs pos="0">
+              <a:schemeClr val="phClr">
+                <a:shade val="51000"/>
+                <a:satMod val="130000"/>
+              </a:schemeClr>
+            </a:gs>
+            <a:gs pos="80000">
+              <a:schemeClr val="phClr">
+                <a:shade val="93000"/>
+                <a:satMod val="130000"/>
+              </a:schemeClr>
+            </a:gs>
+            <a:gs pos="100000">
+              <a:schemeClr val="phClr">
+                <a:shade val="94000"/>
+                <a:satMod val="135000"/>
+              </a:schemeClr>
+            </a:gs>
+          </a:gsLst>
+          <a:lin ang="16200000" scaled="0"/>
+        </a:gradFill>
+      </a:fillStyleLst>
+      <a:lnStyleLst>
+        <a:ln w="9525" cap="flat" cmpd="sng" algn="ctr">
+          <a:solidFill>
+            <a:schemeClr val="phClr">
+              <a:shade val="95000"/>
+              <a:satMod val="105000"/>
+            </a:schemeClr>
+          </a:solidFill>
+          <a:prstDash val="solid"/>
+        </a:ln>
+        <a:ln w="25400" cap="flat" cmpd="sng" algn="ctr">
+          <a:solidFill>
+            <a:schemeClr val="phClr"/>
+          </a:solidFill>
+          <a:prstDash val="solid"/>
+        </a:ln>
+        <a:ln w="38100" cap="flat" cmpd="sng" algn="ctr">
+          <a:solidFill>
+            <a:schemeClr val="phClr"/>
+          </a:solidFill>
+          <a:prstDash val="solid"/>
+        </a:ln>
+      </a:lnStyleLst>
+      <a:effectStyleLst>
+        <a:effectStyle>
+          <a:effectLst>
+            <a:outerShdw blurRad="40000" dist="20000" dir="5400000" rotWithShape="0">
+              <a:srgbClr val="000000">
+                <a:alpha val="38000"/>
+              </a:srgbClr>
+            </a:outerShdw>
+          </a:effectLst>
+        </a:effectStyle>
+        <a:effectStyle>
+          <a:effectLst>
+            <a:outerShdw blurRad="40000" dist="23000" dir="5400000" rotWithShape="0">
+              <a:srgbClr val="000000">
+                <a:alpha val="35000"/>
+              </a:srgbClr>
+            </a:outerShdw>
+          </a:effectLst>
+        </a:effectStyle>
+        <a:effectStyle>
+          <a:effectLst>
+            <a:outerShdw blurRad="40000" dist="23000" dir="5400000" rotWithShape="0">
+              <a:srgbClr val="000000">
+                <a:alpha val="35000"/>
+              </a:srgbClr>
+            </a:outerShdw>
+          </a:effectLst>
+          <a:scene3d>
+            <a:camera prst="orthographicFront">
+              <a:rot lat="0" lon="0" rev="0"/>
+            </a:camera>
+            <a:lightRig rig="threePt" dir="t">
+              <a:rot lat="0" lon="0" rev="1200000"/>
+            </a:lightRig>
+          </a:scene3d>
+          <a:sp3d>
+            <a:bevelT w="63500" h="25400"/>
+          </a:sp3d>
+        </a:effectStyle>
+      </a:effectStyleLst>
+      <a:bgFillStyleLst>
+        <a:solidFill>
+          <a:schemeClr val="phClr"/>
+        </a:solidFill>
+        <a:gradFill rotWithShape="1">
+          <a:gsLst>
+            <a:gs pos="0">
+              <a:schemeClr val="phClr">
+                <a:tint val="40000"/>
+                <a:satMod val="350000"/>
+              </a:schemeClr>
+            </a:gs>
+            <a:gs pos="40000">
+              <a:schemeClr val="phClr">
+                <a:tint val="45000"/>
+                <a:shade val="99000"/>
+                <a:satMod val="350000"/>
+              </a:schemeClr>
+            </a:gs>
+            <a:gs pos="100000">
+              <a:schemeClr val="phClr">
+                <a:shade val="20000"/>
+                <a:satMod val="255000"/>
+              </a:schemeClr>
+            </a:gs>
+          </a:gsLst>
+          <a:path path="circle">
+            <a:fillToRect l="50000" t="-80000" r="50000" b="180000"/>
+          </a:path>
+        </a:gradFill>
+        <a:gradFill rotWithShape="1">
+          <a:gsLst>
+            <a:gs pos="0">
+              <a:schemeClr val="phClr">
+                <a:tint val="80000"/>
+                <a:satMod val="300000"/>
+              </a:schemeClr>
+            </a:gs>
+            <a:gs pos="100000">
+              <a:schemeClr val="phClr">
+                <a:shade val="30000"/>
+                <a:satMod val="200000"/>
+              </a:schemeClr>
+            </a:gs>
+          </a:gsLst>
+          <a:path path="circle">
+            <a:fillToRect l="50000" t="50000" r="50000" b="50000"/>
+          </a:path>
+        </a:gradFill>
+      </a:bgFillStyleLst>
+    </a:fmtScheme>
+  </a:themeElements>
+  <a:objectDefaults/>
+  <a:extraClrSchemeLst/>
+</a:theme>
 </file>